--- a/slides/06_logistic_regression.pptx
+++ b/slides/06_logistic_regression.pptx
@@ -346,7 +346,7 @@
           <a:p>
             <a:fld id="{DB92F479-4B50-F243-9713-1B12EC2B4BDB}" type="datetimeFigureOut">
               <a:rPr lang="en-US" smtClean="0"/>
-              <a:t>8/28/16</a:t>
+              <a:t>8/29/16</a:t>
             </a:fld>
             <a:endParaRPr lang="en-US"/>
           </a:p>
@@ -18917,7 +18917,7 @@
           <a:graphicData uri="http://schemas.openxmlformats.org/presentationml/2006/ole">
             <mc:AlternateContent xmlns:mc="http://schemas.openxmlformats.org/markup-compatibility/2006">
               <mc:Choice xmlns:v="urn:schemas-microsoft-com:vml" Requires="v">
-                <p:oleObj spid="_x0000_s10372" name="Equation" r:id="rId4" imgW="1726920" imgH="419040" progId="Equation.3">
+                <p:oleObj spid="_x0000_s10375" name="Equation" r:id="rId4" imgW="1726920" imgH="419040" progId="Equation.3">
                   <p:embed/>
                 </p:oleObj>
               </mc:Choice>
@@ -19000,7 +19000,7 @@
           <a:graphicData uri="http://schemas.openxmlformats.org/presentationml/2006/ole">
             <mc:AlternateContent xmlns:mc="http://schemas.openxmlformats.org/markup-compatibility/2006">
               <mc:Choice xmlns:v="urn:schemas-microsoft-com:vml" Requires="v">
-                <p:oleObj spid="_x0000_s10373" name="Equation" r:id="rId6" imgW="787320" imgH="228600" progId="Equation.3">
+                <p:oleObj spid="_x0000_s10376" name="Equation" r:id="rId6" imgW="787320" imgH="228600" progId="Equation.3">
                   <p:embed/>
                 </p:oleObj>
               </mc:Choice>
@@ -19255,7 +19255,7 @@
           <a:graphicData uri="http://schemas.openxmlformats.org/presentationml/2006/ole">
             <mc:AlternateContent xmlns:mc="http://schemas.openxmlformats.org/markup-compatibility/2006">
               <mc:Choice xmlns:v="urn:schemas-microsoft-com:vml" Requires="v">
-                <p:oleObj spid="_x0000_s14463" name="Equation" r:id="rId4" imgW="1726920" imgH="419040" progId="Equation.3">
+                <p:oleObj spid="_x0000_s14466" name="Equation" r:id="rId4" imgW="1726920" imgH="419040" progId="Equation.3">
                   <p:embed/>
                 </p:oleObj>
               </mc:Choice>
@@ -19338,7 +19338,7 @@
           <a:graphicData uri="http://schemas.openxmlformats.org/presentationml/2006/ole">
             <mc:AlternateContent xmlns:mc="http://schemas.openxmlformats.org/markup-compatibility/2006">
               <mc:Choice xmlns:v="urn:schemas-microsoft-com:vml" Requires="v">
-                <p:oleObj spid="_x0000_s14464" name="Equation" r:id="rId6" imgW="787320" imgH="228600" progId="Equation.3">
+                <p:oleObj spid="_x0000_s14467" name="Equation" r:id="rId6" imgW="787320" imgH="228600" progId="Equation.3">
                   <p:embed/>
                 </p:oleObj>
               </mc:Choice>
@@ -19645,7 +19645,7 @@
           <a:graphicData uri="http://schemas.openxmlformats.org/presentationml/2006/ole">
             <mc:AlternateContent xmlns:mc="http://schemas.openxmlformats.org/markup-compatibility/2006">
               <mc:Choice xmlns:v="urn:schemas-microsoft-com:vml" Requires="v">
-                <p:oleObj spid="_x0000_s18498" name="Equation" r:id="rId4" imgW="876240" imgH="419040" progId="Equation.3">
+                <p:oleObj spid="_x0000_s18500" name="Equation" r:id="rId4" imgW="876240" imgH="419040" progId="Equation.3">
                   <p:embed/>
                 </p:oleObj>
               </mc:Choice>
@@ -19906,7 +19906,7 @@
           <a:graphicData uri="http://schemas.openxmlformats.org/presentationml/2006/ole">
             <mc:AlternateContent xmlns:mc="http://schemas.openxmlformats.org/markup-compatibility/2006">
               <mc:Choice xmlns:v="urn:schemas-microsoft-com:vml" Requires="v">
-                <p:oleObj spid="_x0000_s19522" name="Equation" r:id="rId4" imgW="876240" imgH="419040" progId="Equation.3">
+                <p:oleObj spid="_x0000_s19524" name="Equation" r:id="rId4" imgW="876240" imgH="419040" progId="Equation.3">
                   <p:embed/>
                 </p:oleObj>
               </mc:Choice>
@@ -20122,7 +20122,7 @@
           <a:graphicData uri="http://schemas.openxmlformats.org/presentationml/2006/ole">
             <mc:AlternateContent xmlns:mc="http://schemas.openxmlformats.org/markup-compatibility/2006">
               <mc:Choice xmlns:v="urn:schemas-microsoft-com:vml" Requires="v">
-                <p:oleObj spid="_x0000_s11388" name="Equation" r:id="rId4" imgW="876240" imgH="419040" progId="Equation.3">
+                <p:oleObj spid="_x0000_s11390" name="Equation" r:id="rId4" imgW="876240" imgH="419040" progId="Equation.3">
                   <p:embed/>
                 </p:oleObj>
               </mc:Choice>
@@ -20420,7 +20420,7 @@
           <a:graphicData uri="http://schemas.openxmlformats.org/presentationml/2006/ole">
             <mc:AlternateContent xmlns:mc="http://schemas.openxmlformats.org/markup-compatibility/2006">
               <mc:Choice xmlns:v="urn:schemas-microsoft-com:vml" Requires="v">
-                <p:oleObj spid="_x0000_s15481" name="Equation" r:id="rId5" imgW="876240" imgH="419040" progId="Equation.3">
+                <p:oleObj spid="_x0000_s15483" name="Equation" r:id="rId5" imgW="876240" imgH="419040" progId="Equation.3">
                   <p:embed/>
                 </p:oleObj>
               </mc:Choice>
@@ -21980,7 +21980,7 @@
           <a:graphicData uri="http://schemas.openxmlformats.org/presentationml/2006/ole">
             <mc:AlternateContent xmlns:mc="http://schemas.openxmlformats.org/markup-compatibility/2006">
               <mc:Choice xmlns:v="urn:schemas-microsoft-com:vml" Requires="v">
-                <p:oleObj spid="_x0000_s31810" name="Equation" r:id="rId4" imgW="825480" imgH="393480" progId="Equation.3">
+                <p:oleObj spid="_x0000_s31812" name="Equation" r:id="rId4" imgW="825480" imgH="393480" progId="Equation.3">
                   <p:embed/>
                 </p:oleObj>
               </mc:Choice>
@@ -22245,7 +22245,7 @@
           <a:graphicData uri="http://schemas.openxmlformats.org/presentationml/2006/ole">
             <mc:AlternateContent xmlns:mc="http://schemas.openxmlformats.org/markup-compatibility/2006">
               <mc:Choice xmlns:v="urn:schemas-microsoft-com:vml" Requires="v">
-                <p:oleObj spid="_x0000_s49194" name="Equation" r:id="rId4" imgW="825480" imgH="393480" progId="Equation.3">
+                <p:oleObj spid="_x0000_s49196" name="Equation" r:id="rId4" imgW="825480" imgH="393480" progId="Equation.3">
                   <p:embed/>
                 </p:oleObj>
               </mc:Choice>
@@ -22888,7 +22888,7 @@
           <a:graphicData uri="http://schemas.openxmlformats.org/presentationml/2006/ole">
             <mc:AlternateContent xmlns:mc="http://schemas.openxmlformats.org/markup-compatibility/2006">
               <mc:Choice xmlns:v="urn:schemas-microsoft-com:vml" Requires="v">
-                <p:oleObj spid="_x0000_s30788" name="Equation" r:id="rId4" imgW="825480" imgH="393480" progId="Equation.3">
+                <p:oleObj spid="_x0000_s30790" name="Equation" r:id="rId4" imgW="825480" imgH="393480" progId="Equation.3">
                   <p:embed/>
                 </p:oleObj>
               </mc:Choice>
@@ -23072,7 +23072,7 @@
           <a:graphicData uri="http://schemas.openxmlformats.org/presentationml/2006/ole">
             <mc:AlternateContent xmlns:mc="http://schemas.openxmlformats.org/markup-compatibility/2006">
               <mc:Choice xmlns:v="urn:schemas-microsoft-com:vml" Requires="v">
-                <p:oleObj spid="_x0000_s28745" name="Equation" r:id="rId4" imgW="1587240" imgH="393480" progId="Equation.3">
+                <p:oleObj spid="_x0000_s28747" name="Equation" r:id="rId4" imgW="1587240" imgH="393480" progId="Equation.3">
                   <p:embed/>
                 </p:oleObj>
               </mc:Choice>
@@ -23596,7 +23596,7 @@
           <a:graphicData uri="http://schemas.openxmlformats.org/presentationml/2006/ole">
             <mc:AlternateContent xmlns:mc="http://schemas.openxmlformats.org/markup-compatibility/2006">
               <mc:Choice xmlns:v="urn:schemas-microsoft-com:vml" Requires="v">
-                <p:oleObj spid="_x0000_s40003" name="Equation" r:id="rId5" imgW="1587240" imgH="393480" progId="Equation.3">
+                <p:oleObj spid="_x0000_s40005" name="Equation" r:id="rId5" imgW="1587240" imgH="393480" progId="Equation.3">
                   <p:embed/>
                 </p:oleObj>
               </mc:Choice>
@@ -23847,7 +23847,7 @@
           <a:graphicData uri="http://schemas.openxmlformats.org/presentationml/2006/ole">
             <mc:AlternateContent xmlns:mc="http://schemas.openxmlformats.org/markup-compatibility/2006">
               <mc:Choice xmlns:v="urn:schemas-microsoft-com:vml" Requires="v">
-                <p:oleObj spid="_x0000_s41020" name="Equation" r:id="rId4" imgW="1815840" imgH="457200" progId="Equation.3">
+                <p:oleObj spid="_x0000_s41022" name="Equation" r:id="rId4" imgW="1815840" imgH="457200" progId="Equation.3">
                   <p:embed/>
                 </p:oleObj>
               </mc:Choice>
@@ -24092,7 +24092,7 @@
           <a:graphicData uri="http://schemas.openxmlformats.org/presentationml/2006/ole">
             <mc:AlternateContent xmlns:mc="http://schemas.openxmlformats.org/markup-compatibility/2006">
               <mc:Choice xmlns:v="urn:schemas-microsoft-com:vml" Requires="v">
-                <p:oleObj spid="_x0000_s35962" name="Equation" r:id="rId4" imgW="1815840" imgH="457200" progId="Equation.3">
+                <p:oleObj spid="_x0000_s35965" name="Equation" r:id="rId4" imgW="1815840" imgH="457200" progId="Equation.3">
                   <p:embed/>
                 </p:oleObj>
               </mc:Choice>
@@ -24175,7 +24175,7 @@
           <a:graphicData uri="http://schemas.openxmlformats.org/presentationml/2006/ole">
             <mc:AlternateContent xmlns:mc="http://schemas.openxmlformats.org/markup-compatibility/2006">
               <mc:Choice xmlns:v="urn:schemas-microsoft-com:vml" Requires="v">
-                <p:oleObj spid="_x0000_s35963" name="Equation" r:id="rId6" imgW="3340080" imgH="457200" progId="Equation.3">
+                <p:oleObj spid="_x0000_s35966" name="Equation" r:id="rId6" imgW="3340080" imgH="457200" progId="Equation.3">
                   <p:embed/>
                 </p:oleObj>
               </mc:Choice>
@@ -24537,7 +24537,7 @@
           <a:graphicData uri="http://schemas.openxmlformats.org/presentationml/2006/ole">
             <mc:AlternateContent xmlns:mc="http://schemas.openxmlformats.org/markup-compatibility/2006">
               <mc:Choice xmlns:v="urn:schemas-microsoft-com:vml" Requires="v">
-                <p:oleObj spid="_x0000_s34882" name="Equation" r:id="rId4" imgW="2120760" imgH="393480" progId="Equation.3">
+                <p:oleObj spid="_x0000_s34884" name="Equation" r:id="rId4" imgW="2120760" imgH="393480" progId="Equation.3">
                   <p:embed/>
                 </p:oleObj>
               </mc:Choice>
@@ -24782,7 +24782,7 @@
           <a:graphicData uri="http://schemas.openxmlformats.org/presentationml/2006/ole">
             <mc:AlternateContent xmlns:mc="http://schemas.openxmlformats.org/markup-compatibility/2006">
               <mc:Choice xmlns:v="urn:schemas-microsoft-com:vml" Requires="v">
-                <p:oleObj spid="_x0000_s50183" name="Equation" r:id="rId4" imgW="2120760" imgH="393480" progId="Equation.3">
+                <p:oleObj spid="_x0000_s50185" name="Equation" r:id="rId4" imgW="2120760" imgH="393480" progId="Equation.3">
                   <p:embed/>
                 </p:oleObj>
               </mc:Choice>
@@ -25286,7 +25286,7 @@
           <a:graphicData uri="http://schemas.openxmlformats.org/presentationml/2006/ole">
             <mc:AlternateContent xmlns:mc="http://schemas.openxmlformats.org/markup-compatibility/2006">
               <mc:Choice xmlns:v="urn:schemas-microsoft-com:vml" Requires="v">
-                <p:oleObj spid="_x0000_s37956" name="Equation" r:id="rId4" imgW="2120760" imgH="393480" progId="Equation.3">
+                <p:oleObj spid="_x0000_s37958" name="Equation" r:id="rId4" imgW="2120760" imgH="393480" progId="Equation.3">
                   <p:embed/>
                 </p:oleObj>
               </mc:Choice>
@@ -26011,7 +26011,7 @@
           <a:graphicData uri="http://schemas.openxmlformats.org/presentationml/2006/ole">
             <mc:AlternateContent xmlns:mc="http://schemas.openxmlformats.org/markup-compatibility/2006">
               <mc:Choice xmlns:v="urn:schemas-microsoft-com:vml" Requires="v">
-                <p:oleObj spid="_x0000_s44084" name="Equation" r:id="rId4" imgW="215640" imgH="203040" progId="Equation.3">
+                <p:oleObj spid="_x0000_s44086" name="Equation" r:id="rId4" imgW="215640" imgH="203040" progId="Equation.3">
                   <p:embed/>
                 </p:oleObj>
               </mc:Choice>
@@ -26163,7 +26163,7 @@
         <p:spPr>
           <a:xfrm>
             <a:off x="566737" y="1104900"/>
-            <a:ext cx="8382000" cy="1477328"/>
+            <a:ext cx="8382000" cy="1938992"/>
           </a:xfrm>
           <a:prstGeom prst="rect">
             <a:avLst/>
@@ -26199,7 +26199,21 @@
                 <a:latin typeface="PFDinTextCompPro-Italic"/>
                 <a:cs typeface="PFDinTextCompPro-Italic"/>
               </a:rPr>
-              <a:t>A: This is based off of the p-value, just as with the linear regression</a:t>
+              <a:t>A: This is based off of the </a:t>
+            </a:r>
+            <a:r>
+              <a:rPr lang="en-US" sz="3000" smtClean="0">
+                <a:latin typeface="PFDinTextCompPro-Italic"/>
+                <a:cs typeface="PFDinTextCompPro-Italic"/>
+              </a:rPr>
+              <a:t>model coefficients, </a:t>
+            </a:r>
+            <a:r>
+              <a:rPr lang="en-US" sz="3000" dirty="0" smtClean="0">
+                <a:latin typeface="PFDinTextCompPro-Italic"/>
+                <a:cs typeface="PFDinTextCompPro-Italic"/>
+              </a:rPr>
+              <a:t>just as with the linear regression</a:t>
             </a:r>
             <a:endParaRPr lang="en-US" sz="3000" dirty="0">
               <a:latin typeface="PFDinTextCompPro-Italic"/>
@@ -27485,7 +27499,7 @@
           <a:graphicData uri="http://schemas.openxmlformats.org/presentationml/2006/ole">
             <mc:AlternateContent xmlns:mc="http://schemas.openxmlformats.org/markup-compatibility/2006">
               <mc:Choice xmlns:v="urn:schemas-microsoft-com:vml" Requires="v">
-                <p:oleObj spid="_x0000_s47152" name="Equation" r:id="rId4" imgW="2425680" imgH="393480" progId="Equation.3">
+                <p:oleObj spid="_x0000_s47154" name="Equation" r:id="rId4" imgW="2425680" imgH="393480" progId="Equation.3">
                   <p:embed/>
                 </p:oleObj>
               </mc:Choice>
@@ -27787,7 +27801,7 @@
           <a:graphicData uri="http://schemas.openxmlformats.org/presentationml/2006/ole">
             <mc:AlternateContent xmlns:mc="http://schemas.openxmlformats.org/markup-compatibility/2006">
               <mc:Choice xmlns:v="urn:schemas-microsoft-com:vml" Requires="v">
-                <p:oleObj spid="_x0000_s48218" name="Equation" r:id="rId4" imgW="2425680" imgH="393480" progId="Equation.3">
+                <p:oleObj spid="_x0000_s48221" name="Equation" r:id="rId4" imgW="2425680" imgH="393480" progId="Equation.3">
                   <p:embed/>
                 </p:oleObj>
               </mc:Choice>
@@ -27870,7 +27884,7 @@
           <a:graphicData uri="http://schemas.openxmlformats.org/presentationml/2006/ole">
             <mc:AlternateContent xmlns:mc="http://schemas.openxmlformats.org/markup-compatibility/2006">
               <mc:Choice xmlns:v="urn:schemas-microsoft-com:vml" Requires="v">
-                <p:oleObj spid="_x0000_s48219" name="Equation" r:id="rId6" imgW="1523880" imgH="444240" progId="Equation.3">
+                <p:oleObj spid="_x0000_s48222" name="Equation" r:id="rId6" imgW="1523880" imgH="444240" progId="Equation.3">
                   <p:embed/>
                 </p:oleObj>
               </mc:Choice>
@@ -29987,7 +30001,7 @@
           <a:graphicData uri="http://schemas.openxmlformats.org/presentationml/2006/ole">
             <mc:AlternateContent xmlns:mc="http://schemas.openxmlformats.org/markup-compatibility/2006">
               <mc:Choice xmlns:v="urn:schemas-microsoft-com:vml" Requires="v">
-                <p:oleObj spid="_x0000_s43160" name="Equation" r:id="rId4" imgW="634680" imgH="419040" progId="Equation.3">
+                <p:oleObj spid="_x0000_s43164" name="Equation" r:id="rId4" imgW="634680" imgH="419040" progId="Equation.3">
                   <p:embed/>
                 </p:oleObj>
               </mc:Choice>
@@ -30070,7 +30084,7 @@
           <a:graphicData uri="http://schemas.openxmlformats.org/presentationml/2006/ole">
             <mc:AlternateContent xmlns:mc="http://schemas.openxmlformats.org/markup-compatibility/2006">
               <mc:Choice xmlns:v="urn:schemas-microsoft-com:vml" Requires="v">
-                <p:oleObj spid="_x0000_s43161" name="Equation" r:id="rId6" imgW="685800" imgH="393480" progId="Equation.3">
+                <p:oleObj spid="_x0000_s43165" name="Equation" r:id="rId6" imgW="685800" imgH="393480" progId="Equation.3">
                   <p:embed/>
                 </p:oleObj>
               </mc:Choice>
@@ -30153,7 +30167,7 @@
           <a:graphicData uri="http://schemas.openxmlformats.org/presentationml/2006/ole">
             <mc:AlternateContent xmlns:mc="http://schemas.openxmlformats.org/markup-compatibility/2006">
               <mc:Choice xmlns:v="urn:schemas-microsoft-com:vml" Requires="v">
-                <p:oleObj spid="_x0000_s43162" name="Equation" r:id="rId8" imgW="444240" imgH="393480" progId="Equation.3">
+                <p:oleObj spid="_x0000_s43166" name="Equation" r:id="rId8" imgW="444240" imgH="393480" progId="Equation.3">
                   <p:embed/>
                 </p:oleObj>
               </mc:Choice>
